--- a/toki/tokistorage-client-deck.pptx
+++ b/toki/tokistorage-client-deck.pptx
@@ -5627,7 +5627,7 @@
         <p:spPr>
           <a:xfrm>
             <a:off x="457200" y="1051560"/>
-            <a:ext cx="7863840" cy="804672"/>
+            <a:ext cx="7863840" cy="877824"/>
           </a:xfrm>
           <a:prstGeom prst="rect">
             <a:avLst/>
@@ -5671,7 +5671,7 @@
         </p:nvSpPr>
         <p:spPr>
           <a:xfrm>
-            <a:off x="621792" y="1216152"/>
+            <a:off x="621792" y="1234440"/>
             <a:ext cx="457200" cy="457200"/>
           </a:xfrm>
           <a:prstGeom prst="ellipse">
@@ -5714,7 +5714,7 @@
         </p:nvSpPr>
         <p:spPr>
           <a:xfrm>
-            <a:off x="621792" y="1216152"/>
+            <a:off x="621792" y="1234440"/>
             <a:ext cx="457200" cy="457200"/>
           </a:xfrm>
           <a:prstGeom prst="rect">
@@ -5758,7 +5758,7 @@
         <p:spPr>
           <a:xfrm>
             <a:off x="1234440" y="1124712"/>
-            <a:ext cx="6949440" cy="292608"/>
+            <a:ext cx="6949440" cy="274320"/>
           </a:xfrm>
           <a:prstGeom prst="rect">
             <a:avLst/>
@@ -5800,8 +5800,8 @@
         </p:nvSpPr>
         <p:spPr>
           <a:xfrm>
-            <a:off x="1234440" y="1435608"/>
-            <a:ext cx="6949440" cy="384048"/>
+            <a:off x="1234440" y="1380744"/>
+            <a:ext cx="6949440" cy="475488"/>
           </a:xfrm>
           <a:prstGeom prst="rect">
             <a:avLst/>
@@ -5843,8 +5843,8 @@
         </p:nvSpPr>
         <p:spPr>
           <a:xfrm>
-            <a:off x="457200" y="1929384"/>
-            <a:ext cx="7863840" cy="804672"/>
+            <a:off x="457200" y="1984248"/>
+            <a:ext cx="7863840" cy="877824"/>
           </a:xfrm>
           <a:prstGeom prst="rect">
             <a:avLst/>
@@ -5888,7 +5888,7 @@
         </p:nvSpPr>
         <p:spPr>
           <a:xfrm>
-            <a:off x="621792" y="2093976"/>
+            <a:off x="621792" y="2167128"/>
             <a:ext cx="457200" cy="457200"/>
           </a:xfrm>
           <a:prstGeom prst="ellipse">
@@ -5931,7 +5931,7 @@
         </p:nvSpPr>
         <p:spPr>
           <a:xfrm>
-            <a:off x="621792" y="2093976"/>
+            <a:off x="621792" y="2167128"/>
             <a:ext cx="457200" cy="457200"/>
           </a:xfrm>
           <a:prstGeom prst="rect">
@@ -5974,8 +5974,8 @@
         </p:nvSpPr>
         <p:spPr>
           <a:xfrm>
-            <a:off x="1234440" y="2002536"/>
-            <a:ext cx="6949440" cy="292608"/>
+            <a:off x="1234440" y="2057400"/>
+            <a:ext cx="6949440" cy="274320"/>
           </a:xfrm>
           <a:prstGeom prst="rect">
             <a:avLst/>
@@ -6018,7 +6018,7 @@
         <p:spPr>
           <a:xfrm>
             <a:off x="1234440" y="2313432"/>
-            <a:ext cx="6949440" cy="384048"/>
+            <a:ext cx="6949440" cy="475488"/>
           </a:xfrm>
           <a:prstGeom prst="rect">
             <a:avLst/>
@@ -6060,8 +6060,8 @@
         </p:nvSpPr>
         <p:spPr>
           <a:xfrm>
-            <a:off x="457200" y="2807208"/>
-            <a:ext cx="7863840" cy="804672"/>
+            <a:off x="457200" y="2916936"/>
+            <a:ext cx="7863840" cy="877824"/>
           </a:xfrm>
           <a:prstGeom prst="rect">
             <a:avLst/>
@@ -6105,7 +6105,7 @@
         </p:nvSpPr>
         <p:spPr>
           <a:xfrm>
-            <a:off x="621792" y="2971800"/>
+            <a:off x="621792" y="3099816"/>
             <a:ext cx="457200" cy="457200"/>
           </a:xfrm>
           <a:prstGeom prst="ellipse">
@@ -6148,7 +6148,7 @@
         </p:nvSpPr>
         <p:spPr>
           <a:xfrm>
-            <a:off x="621792" y="2971800"/>
+            <a:off x="621792" y="3099816"/>
             <a:ext cx="457200" cy="457200"/>
           </a:xfrm>
           <a:prstGeom prst="rect">
@@ -6191,8 +6191,8 @@
         </p:nvSpPr>
         <p:spPr>
           <a:xfrm>
-            <a:off x="1234440" y="2880360"/>
-            <a:ext cx="6949440" cy="292608"/>
+            <a:off x="1234440" y="2990088"/>
+            <a:ext cx="6949440" cy="274320"/>
           </a:xfrm>
           <a:prstGeom prst="rect">
             <a:avLst/>
@@ -6234,8 +6234,8 @@
         </p:nvSpPr>
         <p:spPr>
           <a:xfrm>
-            <a:off x="1234440" y="3191256"/>
-            <a:ext cx="6949440" cy="384048"/>
+            <a:off x="1234440" y="3246120"/>
+            <a:ext cx="6949440" cy="475488"/>
           </a:xfrm>
           <a:prstGeom prst="rect">
             <a:avLst/>
@@ -6277,8 +6277,8 @@
         </p:nvSpPr>
         <p:spPr>
           <a:xfrm>
-            <a:off x="457200" y="3685032"/>
-            <a:ext cx="7863840" cy="804672"/>
+            <a:off x="457200" y="3849624"/>
+            <a:ext cx="7863840" cy="877824"/>
           </a:xfrm>
           <a:prstGeom prst="rect">
             <a:avLst/>
@@ -6322,7 +6322,7 @@
         </p:nvSpPr>
         <p:spPr>
           <a:xfrm>
-            <a:off x="621792" y="3849624"/>
+            <a:off x="621792" y="4032504"/>
             <a:ext cx="457200" cy="457200"/>
           </a:xfrm>
           <a:prstGeom prst="ellipse">
@@ -6365,7 +6365,7 @@
         </p:nvSpPr>
         <p:spPr>
           <a:xfrm>
-            <a:off x="621792" y="3849624"/>
+            <a:off x="621792" y="4032504"/>
             <a:ext cx="457200" cy="457200"/>
           </a:xfrm>
           <a:prstGeom prst="rect">
@@ -6408,8 +6408,8 @@
         </p:nvSpPr>
         <p:spPr>
           <a:xfrm>
-            <a:off x="1234440" y="3758184"/>
-            <a:ext cx="6949440" cy="292608"/>
+            <a:off x="1234440" y="3922776"/>
+            <a:ext cx="6949440" cy="274320"/>
           </a:xfrm>
           <a:prstGeom prst="rect">
             <a:avLst/>
@@ -6451,8 +6451,8 @@
         </p:nvSpPr>
         <p:spPr>
           <a:xfrm>
-            <a:off x="1234440" y="4069080"/>
-            <a:ext cx="6949440" cy="384048"/>
+            <a:off x="1234440" y="4178808"/>
+            <a:ext cx="6949440" cy="475488"/>
           </a:xfrm>
           <a:prstGeom prst="rect">
             <a:avLst/>
@@ -9514,7 +9514,7 @@
         </p:nvSpPr>
         <p:spPr>
           <a:xfrm>
-            <a:off x="457200" y="2633472"/>
+            <a:off x="457200" y="2587752"/>
             <a:ext cx="1028700" cy="402336"/>
           </a:xfrm>
           <a:prstGeom prst="rect">
@@ -9559,7 +9559,7 @@
         </p:nvSpPr>
         <p:spPr>
           <a:xfrm>
-            <a:off x="548640" y="2633472"/>
+            <a:off x="548640" y="2587752"/>
             <a:ext cx="845820" cy="402336"/>
           </a:xfrm>
           <a:prstGeom prst="rect">
@@ -9602,7 +9602,7 @@
         </p:nvSpPr>
         <p:spPr>
           <a:xfrm>
-            <a:off x="1595628" y="2633472"/>
+            <a:off x="1595628" y="2587752"/>
             <a:ext cx="1508760" cy="402336"/>
           </a:xfrm>
           <a:prstGeom prst="rect">
@@ -9647,7 +9647,7 @@
         </p:nvSpPr>
         <p:spPr>
           <a:xfrm>
-            <a:off x="1687068" y="2633472"/>
+            <a:off x="1687068" y="2587752"/>
             <a:ext cx="1325880" cy="402336"/>
           </a:xfrm>
           <a:prstGeom prst="rect">
@@ -9690,7 +9690,7 @@
         </p:nvSpPr>
         <p:spPr>
           <a:xfrm>
-            <a:off x="3214116" y="2633472"/>
+            <a:off x="3214116" y="2587752"/>
             <a:ext cx="1165860" cy="402336"/>
           </a:xfrm>
           <a:prstGeom prst="rect">
@@ -9735,7 +9735,7 @@
         </p:nvSpPr>
         <p:spPr>
           <a:xfrm>
-            <a:off x="3305556" y="2633472"/>
+            <a:off x="3305556" y="2587752"/>
             <a:ext cx="982980" cy="402336"/>
           </a:xfrm>
           <a:prstGeom prst="rect">
@@ -9778,7 +9778,7 @@
         </p:nvSpPr>
         <p:spPr>
           <a:xfrm>
-            <a:off x="4489704" y="2633472"/>
+            <a:off x="4489704" y="2587752"/>
             <a:ext cx="1303020" cy="402336"/>
           </a:xfrm>
           <a:prstGeom prst="rect">
@@ -9823,7 +9823,7 @@
         </p:nvSpPr>
         <p:spPr>
           <a:xfrm>
-            <a:off x="4581144" y="2633472"/>
+            <a:off x="4581144" y="2587752"/>
             <a:ext cx="1120140" cy="402336"/>
           </a:xfrm>
           <a:prstGeom prst="rect">
@@ -9866,7 +9866,7 @@
         </p:nvSpPr>
         <p:spPr>
           <a:xfrm>
-            <a:off x="5902452" y="2633472"/>
+            <a:off x="5902452" y="2587752"/>
             <a:ext cx="1165860" cy="402336"/>
           </a:xfrm>
           <a:prstGeom prst="rect">
@@ -9911,7 +9911,7 @@
         </p:nvSpPr>
         <p:spPr>
           <a:xfrm>
-            <a:off x="5993892" y="2633472"/>
+            <a:off x="5993892" y="2587752"/>
             <a:ext cx="982980" cy="402336"/>
           </a:xfrm>
           <a:prstGeom prst="rect">
@@ -9954,7 +9954,7 @@
         </p:nvSpPr>
         <p:spPr>
           <a:xfrm>
-            <a:off x="7178040" y="2633472"/>
+            <a:off x="7178040" y="2587752"/>
             <a:ext cx="1097280" cy="402336"/>
           </a:xfrm>
           <a:prstGeom prst="rect">
@@ -9999,7 +9999,7 @@
         </p:nvSpPr>
         <p:spPr>
           <a:xfrm>
-            <a:off x="7269480" y="2633472"/>
+            <a:off x="7269480" y="2587752"/>
             <a:ext cx="914400" cy="402336"/>
           </a:xfrm>
           <a:prstGeom prst="rect">
@@ -10042,7 +10042,7 @@
         </p:nvSpPr>
         <p:spPr>
           <a:xfrm>
-            <a:off x="457200" y="3108960"/>
+            <a:off x="457200" y="3063240"/>
             <a:ext cx="1371600" cy="402336"/>
           </a:xfrm>
           <a:prstGeom prst="rect">
@@ -10087,7 +10087,7 @@
         </p:nvSpPr>
         <p:spPr>
           <a:xfrm>
-            <a:off x="548640" y="3108960"/>
+            <a:off x="548640" y="3063240"/>
             <a:ext cx="1188720" cy="402336"/>
           </a:xfrm>
           <a:prstGeom prst="rect">
@@ -10125,6 +10125,135 @@
       <p:sp>
         <p:nvSpPr>
           <p:cNvPr id="22" name="Rectangle 21"/>
+          <p:cNvSpPr/>
+          <p:nvPr/>
+        </p:nvSpPr>
+        <p:spPr>
+          <a:xfrm>
+            <a:off x="457200" y="3502152"/>
+            <a:ext cx="7863840" cy="777240"/>
+          </a:xfrm>
+          <a:prstGeom prst="rect">
+            <a:avLst/>
+          </a:prstGeom>
+          <a:solidFill>
+            <a:srgbClr val="EFF6FF"/>
+          </a:solidFill>
+          <a:ln>
+            <a:noFill/>
+          </a:ln>
+        </p:spPr>
+        <p:style>
+          <a:lnRef idx="1">
+            <a:schemeClr val="accent1"/>
+          </a:lnRef>
+          <a:fillRef idx="3">
+            <a:schemeClr val="accent1"/>
+          </a:fillRef>
+          <a:effectRef idx="2">
+            <a:schemeClr val="accent1"/>
+          </a:effectRef>
+          <a:fontRef idx="minor">
+            <a:schemeClr val="lt1"/>
+          </a:fontRef>
+        </p:style>
+        <p:txBody>
+          <a:bodyPr rtlCol="0" anchor="ctr"/>
+          <a:lstStyle/>
+          <a:p>
+            <a:pPr algn="ctr"/>
+          </a:p>
+        </p:txBody>
+      </p:sp>
+      <p:sp>
+        <p:nvSpPr>
+          <p:cNvPr id="23" name="Rectangle 22"/>
+          <p:cNvSpPr/>
+          <p:nvPr/>
+        </p:nvSpPr>
+        <p:spPr>
+          <a:xfrm>
+            <a:off x="457200" y="3502152"/>
+            <a:ext cx="54864" cy="777240"/>
+          </a:xfrm>
+          <a:prstGeom prst="rect">
+            <a:avLst/>
+          </a:prstGeom>
+          <a:solidFill>
+            <a:srgbClr val="C9A962"/>
+          </a:solidFill>
+          <a:ln>
+            <a:noFill/>
+          </a:ln>
+        </p:spPr>
+        <p:style>
+          <a:lnRef idx="1">
+            <a:schemeClr val="accent1"/>
+          </a:lnRef>
+          <a:fillRef idx="3">
+            <a:schemeClr val="accent1"/>
+          </a:fillRef>
+          <a:effectRef idx="2">
+            <a:schemeClr val="accent1"/>
+          </a:effectRef>
+          <a:fontRef idx="minor">
+            <a:schemeClr val="lt1"/>
+          </a:fontRef>
+        </p:style>
+        <p:txBody>
+          <a:bodyPr rtlCol="0" anchor="ctr"/>
+          <a:lstStyle/>
+          <a:p>
+            <a:pPr algn="ctr"/>
+          </a:p>
+        </p:txBody>
+      </p:sp>
+      <p:sp>
+        <p:nvSpPr>
+          <p:cNvPr id="24" name="TextBox 23"/>
+          <p:cNvSpPr txBox="1"/>
+          <p:nvPr/>
+        </p:nvSpPr>
+        <p:spPr>
+          <a:xfrm>
+            <a:off x="685800" y="3575304"/>
+            <a:ext cx="7543800" cy="630936"/>
+          </a:xfrm>
+          <a:prstGeom prst="rect">
+            <a:avLst/>
+          </a:prstGeom>
+          <a:noFill/>
+        </p:spPr>
+        <p:txBody>
+          <a:bodyPr wrap="square"/>
+          <a:lstStyle/>
+          <a:p>
+            <a:pPr algn="l">
+              <a:lnSpc>
+                <a:spcPct val="135000"/>
+              </a:lnSpc>
+              <a:spcBef>
+                <a:spcPts val="0"/>
+              </a:spcBef>
+              <a:spcAft>
+                <a:spcPts val="0"/>
+              </a:spcAft>
+            </a:pPr>
+            <a:r>
+              <a:rPr sz="900" b="0">
+                <a:solidFill>
+                  <a:srgbClr val="1E293B"/>
+                </a:solidFill>
+                <a:latin typeface="IPAPGothic"/>
+              </a:rPr>
+              <a:t>無縁墓の調査で、何百もの墓石を一つずつ読みました。名前も、生きた証も、風化して消えていく。ご遺族の骨を届けた時、「もう誰も覚えていない」という言葉に胸が詰まりました。記憶は消えるのです——放っておけば。だから千年残る仕組みを作ると決めました。</a:t>
+            </a:r>
+          </a:p>
+        </p:txBody>
+      </p:sp>
+      <p:sp>
+        <p:nvSpPr>
+          <p:cNvPr id="25" name="Rectangle 24"/>
           <p:cNvSpPr/>
           <p:nvPr/>
         </p:nvSpPr>
@@ -10167,7 +10296,7 @@
       </p:sp>
       <p:sp>
         <p:nvSpPr>
-          <p:cNvPr id="23" name="TextBox 22"/>
+          <p:cNvPr id="26" name="TextBox 25"/>
           <p:cNvSpPr txBox="1"/>
           <p:nvPr/>
         </p:nvSpPr>
@@ -10210,7 +10339,7 @@
       </p:sp>
       <p:sp>
         <p:nvSpPr>
-          <p:cNvPr id="24" name="TextBox 23"/>
+          <p:cNvPr id="27" name="TextBox 26"/>
           <p:cNvSpPr txBox="1"/>
           <p:nvPr/>
         </p:nvSpPr>
@@ -10253,7 +10382,7 @@
       </p:sp>
       <p:sp>
         <p:nvSpPr>
-          <p:cNvPr id="25" name="TextBox 24"/>
+          <p:cNvPr id="28" name="TextBox 27"/>
           <p:cNvSpPr txBox="1"/>
           <p:nvPr/>
         </p:nvSpPr>

--- a/toki/tokistorage-client-deck.pptx
+++ b/toki/tokistorage-client-deck.pptx
@@ -10130,7 +10130,7 @@
         </p:nvSpPr>
         <p:spPr>
           <a:xfrm>
-            <a:off x="457200" y="3502152"/>
+            <a:off x="457200" y="3575304"/>
             <a:ext cx="7863840" cy="777240"/>
           </a:xfrm>
           <a:prstGeom prst="rect">
@@ -10173,7 +10173,7 @@
         </p:nvSpPr>
         <p:spPr>
           <a:xfrm>
-            <a:off x="457200" y="3502152"/>
+            <a:off x="457200" y="3575304"/>
             <a:ext cx="54864" cy="777240"/>
           </a:xfrm>
           <a:prstGeom prst="rect">
@@ -10216,7 +10216,7 @@
         </p:nvSpPr>
         <p:spPr>
           <a:xfrm>
-            <a:off x="685800" y="3575304"/>
+            <a:off x="685800" y="3648456"/>
             <a:ext cx="7543800" cy="630936"/>
           </a:xfrm>
           <a:prstGeom prst="rect">
@@ -10246,7 +10246,7 @@
                 </a:solidFill>
                 <a:latin typeface="IPAPGothic"/>
               </a:rPr>
-              <a:t>無縁墓の調査で、何百もの墓石を一つずつ読みました。名前も、生きた証も、風化して消えていく。ご遺族の骨を届けた時、「もう誰も覚えていない」という言葉に胸が詰まりました。記憶は消えるのです——放っておけば。だから千年残る仕組みを作ると決めました。</a:t>
+              <a:t>愛犬パールのお墓とともに、家族でパールハーバーを訪れました。平和を願う声を音声QRとして刻んだプレートを持って。そこで気がつきました——時を超えた願いは、愛や平和への想いに変容する。一人でも多くの方と分かち合いたい。TokiStorageをきっかけに、時を超えた変容をご一緒できれば幸いです。</a:t>
             </a:r>
           </a:p>
         </p:txBody>

--- a/toki/tokistorage-client-deck.pptx
+++ b/toki/tokistorage-client-deck.pptx
@@ -3394,7 +3394,7 @@
                 </a:solidFill>
                 <a:latin typeface="IPAPGothic"/>
               </a:rPr>
-              <a:t>Universal Need株式会社</a:t>
+              <a:t>TokiStorage</a:t>
             </a:r>
           </a:p>
         </p:txBody>
@@ -9458,7 +9458,7 @@
                 </a:solidFill>
                 <a:latin typeface="IPAPGothic"/>
               </a:rPr>
-              <a:t>佐藤卓也 — Universal Need株式会社 代表</a:t>
+              <a:t>佐藤卓也 — TokiStorage 代表</a:t>
             </a:r>
           </a:p>
         </p:txBody>
@@ -11296,7 +11296,7 @@
                 </a:solidFill>
                 <a:latin typeface="IPAPGothic"/>
               </a:rPr>
-              <a:t>Universal Need株式会社　代表取締役　佐藤卓也</a:t>
+              <a:t>TokiStorage　佐藤卓也</a:t>
             </a:r>
           </a:p>
         </p:txBody>
@@ -11382,7 +11382,7 @@
                 </a:solidFill>
                 <a:latin typeface="IPAPGothic"/>
               </a:rPr>
-              <a:t>Universal Need株式会社 — TokiStorage</a:t>
+              <a:t>TokiStorage</a:t>
             </a:r>
           </a:p>
         </p:txBody>
@@ -11658,8 +11658,8 @@
                 </a:solidFill>
                 <a:latin typeface="IPAPGothic"/>
               </a:rPr>
-              <a:t>本資料は、Universal Need株式会社（以下「当社」）がサービスご検討のために作成した資料です。
-本資料に含まれる情報は、当社の現時点における見解および計画に基づくものであり、その正確性、完全性、または将来の結果を保証するものではありません。
+              <a:t>本資料は、TokiStorage（佐藤卓也）がサービスご検討のために作成した資料です。
+本資料に含まれる情報は、現時点における見解および計画に基づくものであり、その正確性、完全性、または将来の結果を保証するものではありません。
 本資料は情報提供を目的としており、法的助言、投資助言、その他いかなる専門的助言を構成するものでもありません。</a:t>
             </a:r>
           </a:p>
@@ -11703,7 +11703,7 @@
                 </a:solidFill>
                 <a:latin typeface="IPAPGothic"/>
               </a:rPr>
-              <a:t>© 2026 Universal Need株式会社. All rights reserved.</a:t>
+              <a:t>© 2026 TokiStorage / 佐藤卓也. All rights reserved.</a:t>
             </a:r>
           </a:p>
         </p:txBody>
@@ -11789,7 +11789,7 @@
                 </a:solidFill>
                 <a:latin typeface="IPAPGothic"/>
               </a:rPr>
-              <a:t>Universal Need株式会社 — TokiStorage</a:t>
+              <a:t>TokiStorage</a:t>
             </a:r>
           </a:p>
         </p:txBody>
